--- a/exhibition/A1template.pptx
+++ b/exhibition/A1template.pptx
@@ -4501,7 +4501,7 @@
           <a:p>
             <a:r>
               <a:rPr lang="en-US" altLang="zh-CN" sz="2400" dirty="0"/>
-              <a:t>Figure 4: The simple structure of CPU core</a:t>
+              <a:t>Figure 4: The simple diagram of CPU core</a:t>
             </a:r>
             <a:endParaRPr lang="zh-CN" altLang="en-US" sz="2400" dirty="0"/>
           </a:p>
@@ -4630,7 +4630,7 @@
           <p:nvPr/>
         </p:nvPicPr>
         <p:blipFill>
-          <a:blip r:embed="rId7">
+          <a:blip r:embed="rId7" cstate="print">
             <a:extLst>
               <a:ext uri="{28A0092B-C50C-407E-A947-70E740481C1C}">
                 <a14:useLocalDpi xmlns:a14="http://schemas.microsoft.com/office/drawing/2010/main" val="0"/>
